--- a/лекция 7 wpf создание БД.pptx
+++ b/лекция 7 wpf создание БД.pptx
@@ -4874,11 +4874,7 @@
             </a:pPr>
             <a:r>
               <a:rPr lang="ru-RU" dirty="0" smtClean="0"/>
-              <a:t>Создать </a:t>
-            </a:r>
-            <a:r>
-              <a:rPr lang="ru-RU" dirty="0" smtClean="0"/>
-              <a:t>базу данных</a:t>
+              <a:t>Создать базу данных</a:t>
             </a:r>
             <a:r>
               <a:rPr lang="en-US" dirty="0" smtClean="0"/>
@@ -4914,11 +4910,7 @@
             </a:r>
             <a:r>
               <a:rPr lang="ru-RU" dirty="0" smtClean="0"/>
-              <a:t> </a:t>
-            </a:r>
-            <a:r>
-              <a:rPr lang="ru-RU" dirty="0" smtClean="0"/>
-              <a:t>по ссылке (</a:t>
+              <a:t> по ссылке (</a:t>
             </a:r>
             <a:r>
               <a:rPr lang="ru-RU" b="1" dirty="0" smtClean="0"/>
@@ -4926,11 +4918,7 @@
             </a:r>
             <a:r>
               <a:rPr lang="ru-RU" dirty="0" smtClean="0"/>
-              <a:t>): </a:t>
-            </a:r>
-            <a:r>
-              <a:rPr lang="ru-RU" dirty="0" smtClean="0"/>
-              <a:t> </a:t>
+              <a:t>):  </a:t>
             </a:r>
             <a:r>
               <a:rPr lang="en-US" dirty="0" smtClean="0">
@@ -4995,7 +4983,19 @@
             </a:pPr>
             <a:r>
               <a:rPr lang="ru-RU" dirty="0" smtClean="0"/>
-              <a:t>Выполнить работу до 23.09.2022г. Включительно. Ссылку в </a:t>
+              <a:t>Выполнить работу </a:t>
+            </a:r>
+            <a:r>
+              <a:rPr lang="ru-RU" smtClean="0"/>
+              <a:t>до </a:t>
+            </a:r>
+            <a:r>
+              <a:rPr lang="ru-RU" smtClean="0"/>
+              <a:t>26.09.2022г</a:t>
+            </a:r>
+            <a:r>
+              <a:rPr lang="ru-RU" dirty="0" smtClean="0"/>
+              <a:t>. Включительно. Ссылку в </a:t>
             </a:r>
             <a:r>
               <a:rPr lang="ru-RU" dirty="0" err="1" smtClean="0"/>
